--- a/중간과제IA.pptx
+++ b/중간과제IA.pptx
@@ -3323,6 +3323,163 @@
       </p:grpSpPr>
       <p:cxnSp>
         <p:nvCxnSpPr>
+          <p:cNvPr id="69" name="직선 연결선 68">
+            <a:extLst>
+              <a:ext uri="{FF2B5EF4-FFF2-40B4-BE49-F238E27FC236}">
+                <a16:creationId xmlns:a16="http://schemas.microsoft.com/office/drawing/2014/main" id="{D4648CDE-4A4B-4FDC-BA20-D77A85B2B7E1}"/>
+              </a:ext>
+            </a:extLst>
+          </p:cNvPr>
+          <p:cNvCxnSpPr>
+            <a:cxnSpLocks/>
+            <a:endCxn id="6" idx="0"/>
+          </p:cNvCxnSpPr>
+          <p:nvPr/>
+        </p:nvCxnSpPr>
+        <p:spPr>
+          <a:xfrm>
+            <a:off x="3515080" y="1482007"/>
+            <a:ext cx="1" cy="321382"/>
+          </a:xfrm>
+          <a:prstGeom prst="line">
+            <a:avLst/>
+          </a:prstGeom>
+          <a:ln w="15875"/>
+        </p:spPr>
+        <p:style>
+          <a:lnRef idx="1">
+            <a:schemeClr val="dk1"/>
+          </a:lnRef>
+          <a:fillRef idx="0">
+            <a:schemeClr val="dk1"/>
+          </a:fillRef>
+          <a:effectRef idx="0">
+            <a:schemeClr val="dk1"/>
+          </a:effectRef>
+          <a:fontRef idx="minor">
+            <a:schemeClr val="tx1"/>
+          </a:fontRef>
+        </p:style>
+      </p:cxnSp>
+      <p:cxnSp>
+        <p:nvCxnSpPr>
+          <p:cNvPr id="71" name="직선 연결선 70">
+            <a:extLst>
+              <a:ext uri="{FF2B5EF4-FFF2-40B4-BE49-F238E27FC236}">
+                <a16:creationId xmlns:a16="http://schemas.microsoft.com/office/drawing/2014/main" id="{DDCE8CC5-3397-405B-B248-7CCE300B7878}"/>
+              </a:ext>
+            </a:extLst>
+          </p:cNvPr>
+          <p:cNvCxnSpPr>
+            <a:cxnSpLocks/>
+          </p:cNvCxnSpPr>
+          <p:nvPr/>
+        </p:nvCxnSpPr>
+        <p:spPr>
+          <a:xfrm>
+            <a:off x="4957859" y="1500956"/>
+            <a:ext cx="1" cy="321382"/>
+          </a:xfrm>
+          <a:prstGeom prst="line">
+            <a:avLst/>
+          </a:prstGeom>
+          <a:ln w="15875"/>
+        </p:spPr>
+        <p:style>
+          <a:lnRef idx="1">
+            <a:schemeClr val="dk1"/>
+          </a:lnRef>
+          <a:fillRef idx="0">
+            <a:schemeClr val="dk1"/>
+          </a:fillRef>
+          <a:effectRef idx="0">
+            <a:schemeClr val="dk1"/>
+          </a:effectRef>
+          <a:fontRef idx="minor">
+            <a:schemeClr val="tx1"/>
+          </a:fontRef>
+        </p:style>
+      </p:cxnSp>
+      <p:cxnSp>
+        <p:nvCxnSpPr>
+          <p:cNvPr id="72" name="직선 연결선 71">
+            <a:extLst>
+              <a:ext uri="{FF2B5EF4-FFF2-40B4-BE49-F238E27FC236}">
+                <a16:creationId xmlns:a16="http://schemas.microsoft.com/office/drawing/2014/main" id="{861FC55A-53A3-414C-8F54-E4D8A0D67DBE}"/>
+              </a:ext>
+            </a:extLst>
+          </p:cNvPr>
+          <p:cNvCxnSpPr>
+            <a:cxnSpLocks/>
+          </p:cNvCxnSpPr>
+          <p:nvPr/>
+        </p:nvCxnSpPr>
+        <p:spPr>
+          <a:xfrm>
+            <a:off x="6512286" y="1489319"/>
+            <a:ext cx="1" cy="321382"/>
+          </a:xfrm>
+          <a:prstGeom prst="line">
+            <a:avLst/>
+          </a:prstGeom>
+          <a:ln w="15875"/>
+        </p:spPr>
+        <p:style>
+          <a:lnRef idx="1">
+            <a:schemeClr val="dk1"/>
+          </a:lnRef>
+          <a:fillRef idx="0">
+            <a:schemeClr val="dk1"/>
+          </a:fillRef>
+          <a:effectRef idx="0">
+            <a:schemeClr val="dk1"/>
+          </a:effectRef>
+          <a:fontRef idx="minor">
+            <a:schemeClr val="tx1"/>
+          </a:fontRef>
+        </p:style>
+      </p:cxnSp>
+      <p:cxnSp>
+        <p:nvCxnSpPr>
+          <p:cNvPr id="73" name="직선 연결선 72">
+            <a:extLst>
+              <a:ext uri="{FF2B5EF4-FFF2-40B4-BE49-F238E27FC236}">
+                <a16:creationId xmlns:a16="http://schemas.microsoft.com/office/drawing/2014/main" id="{B96AF4D9-CDDA-4BAE-B26D-EBB366C42F55}"/>
+              </a:ext>
+            </a:extLst>
+          </p:cNvPr>
+          <p:cNvCxnSpPr>
+            <a:cxnSpLocks/>
+          </p:cNvCxnSpPr>
+          <p:nvPr/>
+        </p:nvCxnSpPr>
+        <p:spPr>
+          <a:xfrm>
+            <a:off x="7955064" y="1489319"/>
+            <a:ext cx="1" cy="321382"/>
+          </a:xfrm>
+          <a:prstGeom prst="line">
+            <a:avLst/>
+          </a:prstGeom>
+          <a:ln w="15875"/>
+        </p:spPr>
+        <p:style>
+          <a:lnRef idx="1">
+            <a:schemeClr val="dk1"/>
+          </a:lnRef>
+          <a:fillRef idx="0">
+            <a:schemeClr val="dk1"/>
+          </a:fillRef>
+          <a:effectRef idx="0">
+            <a:schemeClr val="dk1"/>
+          </a:effectRef>
+          <a:fontRef idx="minor">
+            <a:schemeClr val="tx1"/>
+          </a:fontRef>
+        </p:style>
+      </p:cxnSp>
+      <p:cxnSp>
+        <p:nvCxnSpPr>
           <p:cNvPr id="62" name="직선 연결선 61">
             <a:extLst>
               <a:ext uri="{FF2B5EF4-FFF2-40B4-BE49-F238E27FC236}">
@@ -6208,163 +6365,6 @@
           <a:xfrm flipH="1">
             <a:off x="3515080" y="1491481"/>
             <a:ext cx="4439984" cy="0"/>
-          </a:xfrm>
-          <a:prstGeom prst="line">
-            <a:avLst/>
-          </a:prstGeom>
-          <a:ln w="15875"/>
-        </p:spPr>
-        <p:style>
-          <a:lnRef idx="1">
-            <a:schemeClr val="dk1"/>
-          </a:lnRef>
-          <a:fillRef idx="0">
-            <a:schemeClr val="dk1"/>
-          </a:fillRef>
-          <a:effectRef idx="0">
-            <a:schemeClr val="dk1"/>
-          </a:effectRef>
-          <a:fontRef idx="minor">
-            <a:schemeClr val="tx1"/>
-          </a:fontRef>
-        </p:style>
-      </p:cxnSp>
-      <p:cxnSp>
-        <p:nvCxnSpPr>
-          <p:cNvPr id="69" name="직선 연결선 68">
-            <a:extLst>
-              <a:ext uri="{FF2B5EF4-FFF2-40B4-BE49-F238E27FC236}">
-                <a16:creationId xmlns:a16="http://schemas.microsoft.com/office/drawing/2014/main" id="{D4648CDE-4A4B-4FDC-BA20-D77A85B2B7E1}"/>
-              </a:ext>
-            </a:extLst>
-          </p:cNvPr>
-          <p:cNvCxnSpPr>
-            <a:cxnSpLocks/>
-            <a:endCxn id="6" idx="0"/>
-          </p:cNvCxnSpPr>
-          <p:nvPr/>
-        </p:nvCxnSpPr>
-        <p:spPr>
-          <a:xfrm>
-            <a:off x="3515080" y="1482007"/>
-            <a:ext cx="1" cy="321382"/>
-          </a:xfrm>
-          <a:prstGeom prst="line">
-            <a:avLst/>
-          </a:prstGeom>
-          <a:ln w="15875"/>
-        </p:spPr>
-        <p:style>
-          <a:lnRef idx="1">
-            <a:schemeClr val="dk1"/>
-          </a:lnRef>
-          <a:fillRef idx="0">
-            <a:schemeClr val="dk1"/>
-          </a:fillRef>
-          <a:effectRef idx="0">
-            <a:schemeClr val="dk1"/>
-          </a:effectRef>
-          <a:fontRef idx="minor">
-            <a:schemeClr val="tx1"/>
-          </a:fontRef>
-        </p:style>
-      </p:cxnSp>
-      <p:cxnSp>
-        <p:nvCxnSpPr>
-          <p:cNvPr id="71" name="직선 연결선 70">
-            <a:extLst>
-              <a:ext uri="{FF2B5EF4-FFF2-40B4-BE49-F238E27FC236}">
-                <a16:creationId xmlns:a16="http://schemas.microsoft.com/office/drawing/2014/main" id="{DDCE8CC5-3397-405B-B248-7CCE300B7878}"/>
-              </a:ext>
-            </a:extLst>
-          </p:cNvPr>
-          <p:cNvCxnSpPr>
-            <a:cxnSpLocks/>
-          </p:cNvCxnSpPr>
-          <p:nvPr/>
-        </p:nvCxnSpPr>
-        <p:spPr>
-          <a:xfrm>
-            <a:off x="4957859" y="1500956"/>
-            <a:ext cx="1" cy="321382"/>
-          </a:xfrm>
-          <a:prstGeom prst="line">
-            <a:avLst/>
-          </a:prstGeom>
-          <a:ln w="15875"/>
-        </p:spPr>
-        <p:style>
-          <a:lnRef idx="1">
-            <a:schemeClr val="dk1"/>
-          </a:lnRef>
-          <a:fillRef idx="0">
-            <a:schemeClr val="dk1"/>
-          </a:fillRef>
-          <a:effectRef idx="0">
-            <a:schemeClr val="dk1"/>
-          </a:effectRef>
-          <a:fontRef idx="minor">
-            <a:schemeClr val="tx1"/>
-          </a:fontRef>
-        </p:style>
-      </p:cxnSp>
-      <p:cxnSp>
-        <p:nvCxnSpPr>
-          <p:cNvPr id="72" name="직선 연결선 71">
-            <a:extLst>
-              <a:ext uri="{FF2B5EF4-FFF2-40B4-BE49-F238E27FC236}">
-                <a16:creationId xmlns:a16="http://schemas.microsoft.com/office/drawing/2014/main" id="{861FC55A-53A3-414C-8F54-E4D8A0D67DBE}"/>
-              </a:ext>
-            </a:extLst>
-          </p:cNvPr>
-          <p:cNvCxnSpPr>
-            <a:cxnSpLocks/>
-          </p:cNvCxnSpPr>
-          <p:nvPr/>
-        </p:nvCxnSpPr>
-        <p:spPr>
-          <a:xfrm>
-            <a:off x="6512286" y="1489319"/>
-            <a:ext cx="1" cy="321382"/>
-          </a:xfrm>
-          <a:prstGeom prst="line">
-            <a:avLst/>
-          </a:prstGeom>
-          <a:ln w="15875"/>
-        </p:spPr>
-        <p:style>
-          <a:lnRef idx="1">
-            <a:schemeClr val="dk1"/>
-          </a:lnRef>
-          <a:fillRef idx="0">
-            <a:schemeClr val="dk1"/>
-          </a:fillRef>
-          <a:effectRef idx="0">
-            <a:schemeClr val="dk1"/>
-          </a:effectRef>
-          <a:fontRef idx="minor">
-            <a:schemeClr val="tx1"/>
-          </a:fontRef>
-        </p:style>
-      </p:cxnSp>
-      <p:cxnSp>
-        <p:nvCxnSpPr>
-          <p:cNvPr id="73" name="직선 연결선 72">
-            <a:extLst>
-              <a:ext uri="{FF2B5EF4-FFF2-40B4-BE49-F238E27FC236}">
-                <a16:creationId xmlns:a16="http://schemas.microsoft.com/office/drawing/2014/main" id="{B96AF4D9-CDDA-4BAE-B26D-EBB366C42F55}"/>
-              </a:ext>
-            </a:extLst>
-          </p:cNvPr>
-          <p:cNvCxnSpPr>
-            <a:cxnSpLocks/>
-          </p:cNvCxnSpPr>
-          <p:nvPr/>
-        </p:nvCxnSpPr>
-        <p:spPr>
-          <a:xfrm>
-            <a:off x="7955064" y="1489319"/>
-            <a:ext cx="1" cy="321382"/>
           </a:xfrm>
           <a:prstGeom prst="line">
             <a:avLst/>

--- a/중간과제IA.pptx
+++ b/중간과제IA.pptx
@@ -6,6 +6,8 @@
   </p:sldMasterIdLst>
   <p:sldIdLst>
     <p:sldId id="258" r:id="rId2"/>
+    <p:sldId id="259" r:id="rId3"/>
+    <p:sldId id="260" r:id="rId4"/>
   </p:sldIdLst>
   <p:sldSz cx="12192000" cy="6858000"/>
   <p:notesSz cx="6858000" cy="9144000"/>
@@ -104,6 +106,11 @@
       </a:defRPr>
     </a:lvl9pPr>
   </p:defaultTextStyle>
+  <p:extLst>
+    <p:ext uri="{EFAFB233-063F-42B5-8137-9DF3F51BA10A}">
+      <p15:sldGuideLst xmlns:p15="http://schemas.microsoft.com/office/powerpoint/2012/main"/>
+    </p:ext>
+  </p:extLst>
 </p:presentation>
 </file>
 
@@ -254,7 +261,7 @@
           <a:p>
             <a:fld id="{44728981-0C30-486C-AF29-3EECB16DA33B}" type="datetimeFigureOut">
               <a:rPr lang="ko-KR" altLang="en-US" smtClean="0"/>
-              <a:t>2025-10-28</a:t>
+              <a:t>2025-11-05</a:t>
             </a:fld>
             <a:endParaRPr lang="ko-KR" altLang="en-US"/>
           </a:p>
@@ -452,7 +459,7 @@
           <a:p>
             <a:fld id="{44728981-0C30-486C-AF29-3EECB16DA33B}" type="datetimeFigureOut">
               <a:rPr lang="ko-KR" altLang="en-US" smtClean="0"/>
-              <a:t>2025-10-28</a:t>
+              <a:t>2025-11-05</a:t>
             </a:fld>
             <a:endParaRPr lang="ko-KR" altLang="en-US"/>
           </a:p>
@@ -660,7 +667,7 @@
           <a:p>
             <a:fld id="{44728981-0C30-486C-AF29-3EECB16DA33B}" type="datetimeFigureOut">
               <a:rPr lang="ko-KR" altLang="en-US" smtClean="0"/>
-              <a:t>2025-10-28</a:t>
+              <a:t>2025-11-05</a:t>
             </a:fld>
             <a:endParaRPr lang="ko-KR" altLang="en-US"/>
           </a:p>
@@ -858,7 +865,7 @@
           <a:p>
             <a:fld id="{44728981-0C30-486C-AF29-3EECB16DA33B}" type="datetimeFigureOut">
               <a:rPr lang="ko-KR" altLang="en-US" smtClean="0"/>
-              <a:t>2025-10-28</a:t>
+              <a:t>2025-11-05</a:t>
             </a:fld>
             <a:endParaRPr lang="ko-KR" altLang="en-US"/>
           </a:p>
@@ -1133,7 +1140,7 @@
           <a:p>
             <a:fld id="{44728981-0C30-486C-AF29-3EECB16DA33B}" type="datetimeFigureOut">
               <a:rPr lang="ko-KR" altLang="en-US" smtClean="0"/>
-              <a:t>2025-10-28</a:t>
+              <a:t>2025-11-05</a:t>
             </a:fld>
             <a:endParaRPr lang="ko-KR" altLang="en-US"/>
           </a:p>
@@ -1398,7 +1405,7 @@
           <a:p>
             <a:fld id="{44728981-0C30-486C-AF29-3EECB16DA33B}" type="datetimeFigureOut">
               <a:rPr lang="ko-KR" altLang="en-US" smtClean="0"/>
-              <a:t>2025-10-28</a:t>
+              <a:t>2025-11-05</a:t>
             </a:fld>
             <a:endParaRPr lang="ko-KR" altLang="en-US"/>
           </a:p>
@@ -1810,7 +1817,7 @@
           <a:p>
             <a:fld id="{44728981-0C30-486C-AF29-3EECB16DA33B}" type="datetimeFigureOut">
               <a:rPr lang="ko-KR" altLang="en-US" smtClean="0"/>
-              <a:t>2025-10-28</a:t>
+              <a:t>2025-11-05</a:t>
             </a:fld>
             <a:endParaRPr lang="ko-KR" altLang="en-US"/>
           </a:p>
@@ -1951,7 +1958,7 @@
           <a:p>
             <a:fld id="{44728981-0C30-486C-AF29-3EECB16DA33B}" type="datetimeFigureOut">
               <a:rPr lang="ko-KR" altLang="en-US" smtClean="0"/>
-              <a:t>2025-10-28</a:t>
+              <a:t>2025-11-05</a:t>
             </a:fld>
             <a:endParaRPr lang="ko-KR" altLang="en-US"/>
           </a:p>
@@ -2064,7 +2071,7 @@
           <a:p>
             <a:fld id="{44728981-0C30-486C-AF29-3EECB16DA33B}" type="datetimeFigureOut">
               <a:rPr lang="ko-KR" altLang="en-US" smtClean="0"/>
-              <a:t>2025-10-28</a:t>
+              <a:t>2025-11-05</a:t>
             </a:fld>
             <a:endParaRPr lang="ko-KR" altLang="en-US"/>
           </a:p>
@@ -2375,7 +2382,7 @@
           <a:p>
             <a:fld id="{44728981-0C30-486C-AF29-3EECB16DA33B}" type="datetimeFigureOut">
               <a:rPr lang="ko-KR" altLang="en-US" smtClean="0"/>
-              <a:t>2025-10-28</a:t>
+              <a:t>2025-11-05</a:t>
             </a:fld>
             <a:endParaRPr lang="ko-KR" altLang="en-US"/>
           </a:p>
@@ -2663,7 +2670,7 @@
           <a:p>
             <a:fld id="{44728981-0C30-486C-AF29-3EECB16DA33B}" type="datetimeFigureOut">
               <a:rPr lang="ko-KR" altLang="en-US" smtClean="0"/>
-              <a:t>2025-10-28</a:t>
+              <a:t>2025-11-05</a:t>
             </a:fld>
             <a:endParaRPr lang="ko-KR" altLang="en-US"/>
           </a:p>
@@ -2904,7 +2911,7 @@
           <a:p>
             <a:fld id="{44728981-0C30-486C-AF29-3EECB16DA33B}" type="datetimeFigureOut">
               <a:rPr lang="ko-KR" altLang="en-US" smtClean="0"/>
-              <a:t>2025-10-28</a:t>
+              <a:t>2025-11-05</a:t>
             </a:fld>
             <a:endParaRPr lang="ko-KR" altLang="en-US"/>
           </a:p>
@@ -6399,6 +6406,1816 @@
 </p:sld>
 </file>
 
+<file path=ppt/slides/slide2.xml><?xml version="1.0" encoding="utf-8"?>
+<p:sld xmlns:a="http://schemas.openxmlformats.org/drawingml/2006/main" xmlns:r="http://schemas.openxmlformats.org/officeDocument/2006/relationships" xmlns:p="http://schemas.openxmlformats.org/presentationml/2006/main">
+  <p:cSld>
+    <p:spTree>
+      <p:nvGrpSpPr>
+        <p:cNvPr id="1" name=""/>
+        <p:cNvGrpSpPr/>
+        <p:nvPr/>
+      </p:nvGrpSpPr>
+      <p:grpSpPr>
+        <a:xfrm>
+          <a:off x="0" y="0"/>
+          <a:ext cx="0" cy="0"/>
+          <a:chOff x="0" y="0"/>
+          <a:chExt cx="0" cy="0"/>
+        </a:xfrm>
+      </p:grpSpPr>
+      <p:sp>
+        <p:nvSpPr>
+          <p:cNvPr id="2" name="직사각형 1">
+            <a:extLst>
+              <a:ext uri="{FF2B5EF4-FFF2-40B4-BE49-F238E27FC236}">
+                <a16:creationId xmlns:a16="http://schemas.microsoft.com/office/drawing/2014/main" id="{98BB4FF0-BC66-4FAD-9D74-E8B9765BE980}"/>
+              </a:ext>
+            </a:extLst>
+          </p:cNvPr>
+          <p:cNvSpPr/>
+          <p:nvPr/>
+        </p:nvSpPr>
+        <p:spPr>
+          <a:xfrm>
+            <a:off x="341429" y="207996"/>
+            <a:ext cx="2146681" cy="396371"/>
+          </a:xfrm>
+          <a:prstGeom prst="rect">
+            <a:avLst/>
+          </a:prstGeom>
+        </p:spPr>
+        <p:style>
+          <a:lnRef idx="2">
+            <a:schemeClr val="accent1">
+              <a:shade val="50000"/>
+            </a:schemeClr>
+          </a:lnRef>
+          <a:fillRef idx="1">
+            <a:schemeClr val="accent1"/>
+          </a:fillRef>
+          <a:effectRef idx="0">
+            <a:schemeClr val="accent1"/>
+          </a:effectRef>
+          <a:fontRef idx="minor">
+            <a:schemeClr val="lt1"/>
+          </a:fontRef>
+        </p:style>
+        <p:txBody>
+          <a:bodyPr rtlCol="0" anchor="ctr"/>
+          <a:lstStyle/>
+          <a:p>
+            <a:pPr algn="ctr"/>
+            <a:r>
+              <a:rPr lang="ko-KR" altLang="en-US" dirty="0"/>
+              <a:t>메인 페이지</a:t>
+            </a:r>
+          </a:p>
+        </p:txBody>
+      </p:sp>
+      <p:sp>
+        <p:nvSpPr>
+          <p:cNvPr id="3" name="직사각형 2">
+            <a:extLst>
+              <a:ext uri="{FF2B5EF4-FFF2-40B4-BE49-F238E27FC236}">
+                <a16:creationId xmlns:a16="http://schemas.microsoft.com/office/drawing/2014/main" id="{4025A941-810D-423B-BED9-56C44FDA44AD}"/>
+              </a:ext>
+            </a:extLst>
+          </p:cNvPr>
+          <p:cNvSpPr/>
+          <p:nvPr/>
+        </p:nvSpPr>
+        <p:spPr>
+          <a:xfrm>
+            <a:off x="3084628" y="671083"/>
+            <a:ext cx="5659077" cy="6086843"/>
+          </a:xfrm>
+          <a:prstGeom prst="rect">
+            <a:avLst/>
+          </a:prstGeom>
+        </p:spPr>
+        <p:style>
+          <a:lnRef idx="2">
+            <a:schemeClr val="accent3"/>
+          </a:lnRef>
+          <a:fillRef idx="1">
+            <a:schemeClr val="lt1"/>
+          </a:fillRef>
+          <a:effectRef idx="0">
+            <a:schemeClr val="accent3"/>
+          </a:effectRef>
+          <a:fontRef idx="minor">
+            <a:schemeClr val="dk1"/>
+          </a:fontRef>
+        </p:style>
+        <p:txBody>
+          <a:bodyPr rtlCol="0" anchor="ctr"/>
+          <a:lstStyle/>
+          <a:p>
+            <a:pPr algn="ctr"/>
+            <a:endParaRPr lang="ko-KR" altLang="en-US"/>
+          </a:p>
+        </p:txBody>
+      </p:sp>
+      <p:sp>
+        <p:nvSpPr>
+          <p:cNvPr id="4" name="직사각형 3">
+            <a:extLst>
+              <a:ext uri="{FF2B5EF4-FFF2-40B4-BE49-F238E27FC236}">
+                <a16:creationId xmlns:a16="http://schemas.microsoft.com/office/drawing/2014/main" id="{A2FF42D6-DDDC-4E81-84E9-23E2847AE9D0}"/>
+              </a:ext>
+            </a:extLst>
+          </p:cNvPr>
+          <p:cNvSpPr/>
+          <p:nvPr/>
+        </p:nvSpPr>
+        <p:spPr>
+          <a:xfrm>
+            <a:off x="3457453" y="1738540"/>
+            <a:ext cx="3198437" cy="2185927"/>
+          </a:xfrm>
+          <a:prstGeom prst="rect">
+            <a:avLst/>
+          </a:prstGeom>
+        </p:spPr>
+        <p:style>
+          <a:lnRef idx="2">
+            <a:schemeClr val="dk1"/>
+          </a:lnRef>
+          <a:fillRef idx="1">
+            <a:schemeClr val="lt1"/>
+          </a:fillRef>
+          <a:effectRef idx="0">
+            <a:schemeClr val="dk1"/>
+          </a:effectRef>
+          <a:fontRef idx="minor">
+            <a:schemeClr val="dk1"/>
+          </a:fontRef>
+        </p:style>
+        <p:txBody>
+          <a:bodyPr rtlCol="0" anchor="ctr"/>
+          <a:lstStyle/>
+          <a:p>
+            <a:pPr algn="ctr"/>
+            <a:r>
+              <a:rPr lang="en-US" altLang="ko-KR" dirty="0"/>
+              <a:t>DEVSISTERS </a:t>
+            </a:r>
+            <a:r>
+              <a:rPr lang="ko-KR" altLang="en-US" dirty="0"/>
+              <a:t>로고 이미지</a:t>
+            </a:r>
+            <a:endParaRPr lang="en-US" altLang="ko-KR" dirty="0"/>
+          </a:p>
+          <a:p>
+            <a:pPr algn="ctr"/>
+            <a:r>
+              <a:rPr lang="en-US" altLang="ko-KR" dirty="0"/>
+              <a:t>&lt;</a:t>
+            </a:r>
+            <a:r>
+              <a:rPr lang="en-US" altLang="ko-KR" dirty="0" err="1"/>
+              <a:t>img</a:t>
+            </a:r>
+            <a:r>
+              <a:rPr lang="en-US" altLang="ko-KR" dirty="0"/>
+              <a:t>&gt;</a:t>
+            </a:r>
+            <a:endParaRPr lang="ko-KR" altLang="en-US" dirty="0"/>
+          </a:p>
+        </p:txBody>
+      </p:sp>
+      <p:sp>
+        <p:nvSpPr>
+          <p:cNvPr id="5" name="직사각형 4">
+            <a:extLst>
+              <a:ext uri="{FF2B5EF4-FFF2-40B4-BE49-F238E27FC236}">
+                <a16:creationId xmlns:a16="http://schemas.microsoft.com/office/drawing/2014/main" id="{57140E56-2B1D-4D61-B773-339BD3A8376B}"/>
+              </a:ext>
+            </a:extLst>
+          </p:cNvPr>
+          <p:cNvSpPr/>
+          <p:nvPr/>
+        </p:nvSpPr>
+        <p:spPr>
+          <a:xfrm>
+            <a:off x="5172443" y="4338499"/>
+            <a:ext cx="3129105" cy="2185927"/>
+          </a:xfrm>
+          <a:prstGeom prst="rect">
+            <a:avLst/>
+          </a:prstGeom>
+        </p:spPr>
+        <p:style>
+          <a:lnRef idx="2">
+            <a:schemeClr val="dk1"/>
+          </a:lnRef>
+          <a:fillRef idx="1">
+            <a:schemeClr val="lt1"/>
+          </a:fillRef>
+          <a:effectRef idx="0">
+            <a:schemeClr val="dk1"/>
+          </a:effectRef>
+          <a:fontRef idx="minor">
+            <a:schemeClr val="dk1"/>
+          </a:fontRef>
+        </p:style>
+        <p:txBody>
+          <a:bodyPr rtlCol="0" anchor="ctr"/>
+          <a:lstStyle/>
+          <a:p>
+            <a:pPr algn="ctr"/>
+            <a:r>
+              <a:rPr lang="ko-KR" altLang="en-US" dirty="0" err="1"/>
+              <a:t>쿠키런</a:t>
+            </a:r>
+            <a:r>
+              <a:rPr lang="ko-KR" altLang="en-US" dirty="0"/>
+              <a:t> 이미지</a:t>
+            </a:r>
+            <a:endParaRPr lang="en-US" altLang="ko-KR" dirty="0"/>
+          </a:p>
+          <a:p>
+            <a:pPr algn="ctr"/>
+            <a:r>
+              <a:rPr lang="en-US" altLang="ko-KR" dirty="0"/>
+              <a:t>&lt;</a:t>
+            </a:r>
+            <a:r>
+              <a:rPr lang="en-US" altLang="ko-KR" dirty="0" err="1"/>
+              <a:t>img</a:t>
+            </a:r>
+            <a:r>
+              <a:rPr lang="en-US" altLang="ko-KR" dirty="0"/>
+              <a:t>&gt;</a:t>
+            </a:r>
+          </a:p>
+        </p:txBody>
+      </p:sp>
+      <p:sp>
+        <p:nvSpPr>
+          <p:cNvPr id="8" name="직사각형 7">
+            <a:extLst>
+              <a:ext uri="{FF2B5EF4-FFF2-40B4-BE49-F238E27FC236}">
+                <a16:creationId xmlns:a16="http://schemas.microsoft.com/office/drawing/2014/main" id="{39DD0888-67CC-4523-8B52-1E42DC636253}"/>
+              </a:ext>
+            </a:extLst>
+          </p:cNvPr>
+          <p:cNvSpPr/>
+          <p:nvPr/>
+        </p:nvSpPr>
+        <p:spPr>
+          <a:xfrm>
+            <a:off x="6785397" y="1738540"/>
+            <a:ext cx="1516151" cy="2185927"/>
+          </a:xfrm>
+          <a:prstGeom prst="rect">
+            <a:avLst/>
+          </a:prstGeom>
+        </p:spPr>
+        <p:style>
+          <a:lnRef idx="2">
+            <a:schemeClr val="accent1">
+              <a:shade val="50000"/>
+            </a:schemeClr>
+          </a:lnRef>
+          <a:fillRef idx="1">
+            <a:schemeClr val="accent1"/>
+          </a:fillRef>
+          <a:effectRef idx="0">
+            <a:schemeClr val="accent1"/>
+          </a:effectRef>
+          <a:fontRef idx="minor">
+            <a:schemeClr val="lt1"/>
+          </a:fontRef>
+        </p:style>
+        <p:txBody>
+          <a:bodyPr rtlCol="0" anchor="ctr"/>
+          <a:lstStyle/>
+          <a:p>
+            <a:pPr algn="ctr"/>
+            <a:r>
+              <a:rPr lang="ko-KR" altLang="en-US" dirty="0" err="1"/>
+              <a:t>쿠키런</a:t>
+            </a:r>
+            <a:r>
+              <a:rPr lang="ko-KR" altLang="en-US" dirty="0"/>
+              <a:t> 소개</a:t>
+            </a:r>
+            <a:endParaRPr lang="en-US" altLang="ko-KR" dirty="0"/>
+          </a:p>
+        </p:txBody>
+      </p:sp>
+      <p:sp>
+        <p:nvSpPr>
+          <p:cNvPr id="9" name="직사각형 8">
+            <a:extLst>
+              <a:ext uri="{FF2B5EF4-FFF2-40B4-BE49-F238E27FC236}">
+                <a16:creationId xmlns:a16="http://schemas.microsoft.com/office/drawing/2014/main" id="{0A7420CC-3ACB-4FFF-AA75-F98643F2CB20}"/>
+              </a:ext>
+            </a:extLst>
+          </p:cNvPr>
+          <p:cNvSpPr/>
+          <p:nvPr/>
+        </p:nvSpPr>
+        <p:spPr>
+          <a:xfrm>
+            <a:off x="3457453" y="4338498"/>
+            <a:ext cx="1516151" cy="2185927"/>
+          </a:xfrm>
+          <a:prstGeom prst="rect">
+            <a:avLst/>
+          </a:prstGeom>
+        </p:spPr>
+        <p:style>
+          <a:lnRef idx="2">
+            <a:schemeClr val="accent1">
+              <a:shade val="50000"/>
+            </a:schemeClr>
+          </a:lnRef>
+          <a:fillRef idx="1">
+            <a:schemeClr val="accent1"/>
+          </a:fillRef>
+          <a:effectRef idx="0">
+            <a:schemeClr val="accent1"/>
+          </a:effectRef>
+          <a:fontRef idx="minor">
+            <a:schemeClr val="lt1"/>
+          </a:fontRef>
+        </p:style>
+        <p:txBody>
+          <a:bodyPr rtlCol="0" anchor="ctr"/>
+          <a:lstStyle/>
+          <a:p>
+            <a:pPr algn="ctr"/>
+            <a:r>
+              <a:rPr lang="ko-KR" altLang="en-US" dirty="0"/>
+              <a:t>예술 소개</a:t>
+            </a:r>
+          </a:p>
+        </p:txBody>
+      </p:sp>
+      <p:grpSp>
+        <p:nvGrpSpPr>
+          <p:cNvPr id="14" name="그룹 13">
+            <a:extLst>
+              <a:ext uri="{FF2B5EF4-FFF2-40B4-BE49-F238E27FC236}">
+                <a16:creationId xmlns:a16="http://schemas.microsoft.com/office/drawing/2014/main" id="{FD618FDD-2B78-4D73-A545-E2A9D6E6DDC2}"/>
+              </a:ext>
+            </a:extLst>
+          </p:cNvPr>
+          <p:cNvGrpSpPr/>
+          <p:nvPr/>
+        </p:nvGrpSpPr>
+        <p:grpSpPr>
+          <a:xfrm>
+            <a:off x="8301548" y="916259"/>
+            <a:ext cx="180000" cy="85030"/>
+            <a:chOff x="7660553" y="941871"/>
+            <a:chExt cx="180000" cy="85030"/>
+          </a:xfrm>
+        </p:grpSpPr>
+        <p:cxnSp>
+          <p:nvCxnSpPr>
+            <p:cNvPr id="11" name="직선 연결선 10">
+              <a:extLst>
+                <a:ext uri="{FF2B5EF4-FFF2-40B4-BE49-F238E27FC236}">
+                  <a16:creationId xmlns:a16="http://schemas.microsoft.com/office/drawing/2014/main" id="{FC967B44-572B-43B7-A651-9E9A2CDA5474}"/>
+                </a:ext>
+              </a:extLst>
+            </p:cNvPr>
+            <p:cNvCxnSpPr/>
+            <p:nvPr/>
+          </p:nvCxnSpPr>
+          <p:spPr>
+            <a:xfrm>
+              <a:off x="7660553" y="941871"/>
+              <a:ext cx="180000" cy="0"/>
+            </a:xfrm>
+            <a:prstGeom prst="line">
+              <a:avLst/>
+            </a:prstGeom>
+            <a:ln w="19050"/>
+          </p:spPr>
+          <p:style>
+            <a:lnRef idx="1">
+              <a:schemeClr val="dk1"/>
+            </a:lnRef>
+            <a:fillRef idx="0">
+              <a:schemeClr val="dk1"/>
+            </a:fillRef>
+            <a:effectRef idx="0">
+              <a:schemeClr val="dk1"/>
+            </a:effectRef>
+            <a:fontRef idx="minor">
+              <a:schemeClr val="tx1"/>
+            </a:fontRef>
+          </p:style>
+        </p:cxnSp>
+        <p:cxnSp>
+          <p:nvCxnSpPr>
+            <p:cNvPr id="12" name="직선 연결선 11">
+              <a:extLst>
+                <a:ext uri="{FF2B5EF4-FFF2-40B4-BE49-F238E27FC236}">
+                  <a16:creationId xmlns:a16="http://schemas.microsoft.com/office/drawing/2014/main" id="{79B7B4EE-4D8D-415E-B7D1-82F258D4434E}"/>
+                </a:ext>
+              </a:extLst>
+            </p:cNvPr>
+            <p:cNvCxnSpPr/>
+            <p:nvPr/>
+          </p:nvCxnSpPr>
+          <p:spPr>
+            <a:xfrm>
+              <a:off x="7660553" y="984386"/>
+              <a:ext cx="180000" cy="0"/>
+            </a:xfrm>
+            <a:prstGeom prst="line">
+              <a:avLst/>
+            </a:prstGeom>
+            <a:ln w="19050"/>
+          </p:spPr>
+          <p:style>
+            <a:lnRef idx="1">
+              <a:schemeClr val="dk1"/>
+            </a:lnRef>
+            <a:fillRef idx="0">
+              <a:schemeClr val="dk1"/>
+            </a:fillRef>
+            <a:effectRef idx="0">
+              <a:schemeClr val="dk1"/>
+            </a:effectRef>
+            <a:fontRef idx="minor">
+              <a:schemeClr val="tx1"/>
+            </a:fontRef>
+          </p:style>
+        </p:cxnSp>
+        <p:cxnSp>
+          <p:nvCxnSpPr>
+            <p:cNvPr id="13" name="직선 연결선 12">
+              <a:extLst>
+                <a:ext uri="{FF2B5EF4-FFF2-40B4-BE49-F238E27FC236}">
+                  <a16:creationId xmlns:a16="http://schemas.microsoft.com/office/drawing/2014/main" id="{46442D17-B7CF-4AB4-9AA3-E9B916469B82}"/>
+                </a:ext>
+              </a:extLst>
+            </p:cNvPr>
+            <p:cNvCxnSpPr/>
+            <p:nvPr/>
+          </p:nvCxnSpPr>
+          <p:spPr>
+            <a:xfrm>
+              <a:off x="7660553" y="1026901"/>
+              <a:ext cx="180000" cy="0"/>
+            </a:xfrm>
+            <a:prstGeom prst="line">
+              <a:avLst/>
+            </a:prstGeom>
+            <a:ln w="19050"/>
+          </p:spPr>
+          <p:style>
+            <a:lnRef idx="1">
+              <a:schemeClr val="dk1"/>
+            </a:lnRef>
+            <a:fillRef idx="0">
+              <a:schemeClr val="dk1"/>
+            </a:fillRef>
+            <a:effectRef idx="0">
+              <a:schemeClr val="dk1"/>
+            </a:effectRef>
+            <a:fontRef idx="minor">
+              <a:schemeClr val="tx1"/>
+            </a:fontRef>
+          </p:style>
+        </p:cxnSp>
+      </p:grpSp>
+      <p:sp>
+        <p:nvSpPr>
+          <p:cNvPr id="15" name="TextBox 14">
+            <a:extLst>
+              <a:ext uri="{FF2B5EF4-FFF2-40B4-BE49-F238E27FC236}">
+                <a16:creationId xmlns:a16="http://schemas.microsoft.com/office/drawing/2014/main" id="{9EFA155E-0280-418C-9F85-1A3D8358651C}"/>
+              </a:ext>
+            </a:extLst>
+          </p:cNvPr>
+          <p:cNvSpPr txBox="1"/>
+          <p:nvPr/>
+        </p:nvSpPr>
+        <p:spPr>
+          <a:xfrm>
+            <a:off x="3948009" y="774108"/>
+            <a:ext cx="3932313" cy="369332"/>
+          </a:xfrm>
+          <a:prstGeom prst="rect">
+            <a:avLst/>
+          </a:prstGeom>
+          <a:noFill/>
+        </p:spPr>
+        <p:txBody>
+          <a:bodyPr wrap="square" rtlCol="0">
+            <a:spAutoFit/>
+          </a:bodyPr>
+          <a:lstStyle/>
+          <a:p>
+            <a:pPr algn="ctr"/>
+            <a:r>
+              <a:rPr lang="ko-KR" altLang="en-US" dirty="0" err="1"/>
+              <a:t>쿠키런으로</a:t>
+            </a:r>
+            <a:r>
+              <a:rPr lang="ko-KR" altLang="en-US" dirty="0"/>
+              <a:t> 알아보는 예술 작품</a:t>
+            </a:r>
+          </a:p>
+        </p:txBody>
+      </p:sp>
+      <p:sp>
+        <p:nvSpPr>
+          <p:cNvPr id="16" name="직사각형 15">
+            <a:extLst>
+              <a:ext uri="{FF2B5EF4-FFF2-40B4-BE49-F238E27FC236}">
+                <a16:creationId xmlns:a16="http://schemas.microsoft.com/office/drawing/2014/main" id="{8F127541-155B-47FD-B608-1A15639226C0}"/>
+              </a:ext>
+            </a:extLst>
+          </p:cNvPr>
+          <p:cNvSpPr/>
+          <p:nvPr/>
+        </p:nvSpPr>
+        <p:spPr>
+          <a:xfrm>
+            <a:off x="8212985" y="787086"/>
+            <a:ext cx="357126" cy="338925"/>
+          </a:xfrm>
+          <a:prstGeom prst="rect">
+            <a:avLst/>
+          </a:prstGeom>
+          <a:noFill/>
+        </p:spPr>
+        <p:style>
+          <a:lnRef idx="2">
+            <a:schemeClr val="accent1">
+              <a:shade val="50000"/>
+            </a:schemeClr>
+          </a:lnRef>
+          <a:fillRef idx="1">
+            <a:schemeClr val="accent1"/>
+          </a:fillRef>
+          <a:effectRef idx="0">
+            <a:schemeClr val="accent1"/>
+          </a:effectRef>
+          <a:fontRef idx="minor">
+            <a:schemeClr val="lt1"/>
+          </a:fontRef>
+        </p:style>
+        <p:txBody>
+          <a:bodyPr rtlCol="0" anchor="ctr"/>
+          <a:lstStyle/>
+          <a:p>
+            <a:pPr algn="ctr"/>
+            <a:endParaRPr lang="ko-KR" altLang="en-US"/>
+          </a:p>
+        </p:txBody>
+      </p:sp>
+      <p:cxnSp>
+        <p:nvCxnSpPr>
+          <p:cNvPr id="18" name="직선 화살표 연결선 17">
+            <a:extLst>
+              <a:ext uri="{FF2B5EF4-FFF2-40B4-BE49-F238E27FC236}">
+                <a16:creationId xmlns:a16="http://schemas.microsoft.com/office/drawing/2014/main" id="{E833590B-7763-4542-9776-5E76852E8AA0}"/>
+              </a:ext>
+            </a:extLst>
+          </p:cNvPr>
+          <p:cNvCxnSpPr>
+            <a:cxnSpLocks/>
+          </p:cNvCxnSpPr>
+          <p:nvPr/>
+        </p:nvCxnSpPr>
+        <p:spPr>
+          <a:xfrm>
+            <a:off x="8570111" y="956548"/>
+            <a:ext cx="931015" cy="0"/>
+          </a:xfrm>
+          <a:prstGeom prst="straightConnector1">
+            <a:avLst/>
+          </a:prstGeom>
+          <a:ln>
+            <a:tailEnd type="triangle"/>
+          </a:ln>
+        </p:spPr>
+        <p:style>
+          <a:lnRef idx="1">
+            <a:schemeClr val="dk1"/>
+          </a:lnRef>
+          <a:fillRef idx="0">
+            <a:schemeClr val="dk1"/>
+          </a:fillRef>
+          <a:effectRef idx="0">
+            <a:schemeClr val="dk1"/>
+          </a:effectRef>
+          <a:fontRef idx="minor">
+            <a:schemeClr val="tx1"/>
+          </a:fontRef>
+        </p:style>
+      </p:cxnSp>
+      <p:sp>
+        <p:nvSpPr>
+          <p:cNvPr id="20" name="직사각형 19">
+            <a:extLst>
+              <a:ext uri="{FF2B5EF4-FFF2-40B4-BE49-F238E27FC236}">
+                <a16:creationId xmlns:a16="http://schemas.microsoft.com/office/drawing/2014/main" id="{4B5E2B5A-CF93-4EC2-B455-F6C0EA94F5BE}"/>
+              </a:ext>
+            </a:extLst>
+          </p:cNvPr>
+          <p:cNvSpPr/>
+          <p:nvPr/>
+        </p:nvSpPr>
+        <p:spPr>
+          <a:xfrm>
+            <a:off x="9595313" y="671083"/>
+            <a:ext cx="2291887" cy="3991179"/>
+          </a:xfrm>
+          <a:prstGeom prst="rect">
+            <a:avLst/>
+          </a:prstGeom>
+          <a:noFill/>
+        </p:spPr>
+        <p:style>
+          <a:lnRef idx="2">
+            <a:schemeClr val="accent1">
+              <a:shade val="50000"/>
+            </a:schemeClr>
+          </a:lnRef>
+          <a:fillRef idx="1">
+            <a:schemeClr val="accent1"/>
+          </a:fillRef>
+          <a:effectRef idx="0">
+            <a:schemeClr val="accent1"/>
+          </a:effectRef>
+          <a:fontRef idx="minor">
+            <a:schemeClr val="lt1"/>
+          </a:fontRef>
+        </p:style>
+        <p:txBody>
+          <a:bodyPr rtlCol="0" anchor="ctr"/>
+          <a:lstStyle/>
+          <a:p>
+            <a:pPr algn="ctr"/>
+            <a:endParaRPr lang="ko-KR" altLang="en-US"/>
+          </a:p>
+        </p:txBody>
+      </p:sp>
+      <p:grpSp>
+        <p:nvGrpSpPr>
+          <p:cNvPr id="23" name="그룹 22">
+            <a:extLst>
+              <a:ext uri="{FF2B5EF4-FFF2-40B4-BE49-F238E27FC236}">
+                <a16:creationId xmlns:a16="http://schemas.microsoft.com/office/drawing/2014/main" id="{0FED7E8D-0F50-4E8B-BF71-36370CFC295B}"/>
+              </a:ext>
+            </a:extLst>
+          </p:cNvPr>
+          <p:cNvGrpSpPr/>
+          <p:nvPr/>
+        </p:nvGrpSpPr>
+        <p:grpSpPr>
+          <a:xfrm>
+            <a:off x="9940666" y="833437"/>
+            <a:ext cx="1605106" cy="246221"/>
+            <a:chOff x="9940666" y="833437"/>
+            <a:chExt cx="1605106" cy="246221"/>
+          </a:xfrm>
+        </p:grpSpPr>
+        <p:sp>
+          <p:nvSpPr>
+            <p:cNvPr id="21" name="TextBox 20">
+              <a:extLst>
+                <a:ext uri="{FF2B5EF4-FFF2-40B4-BE49-F238E27FC236}">
+                  <a16:creationId xmlns:a16="http://schemas.microsoft.com/office/drawing/2014/main" id="{B573D4D7-F894-40AC-95F6-E6ADE0420867}"/>
+                </a:ext>
+              </a:extLst>
+            </p:cNvPr>
+            <p:cNvSpPr txBox="1"/>
+            <p:nvPr/>
+          </p:nvSpPr>
+          <p:spPr>
+            <a:xfrm>
+              <a:off x="9940666" y="833437"/>
+              <a:ext cx="1605106" cy="246221"/>
+            </a:xfrm>
+            <a:prstGeom prst="rect">
+              <a:avLst/>
+            </a:prstGeom>
+            <a:noFill/>
+            <a:ln w="28575">
+              <a:solidFill>
+                <a:schemeClr val="tx1"/>
+              </a:solidFill>
+            </a:ln>
+          </p:spPr>
+          <p:txBody>
+            <a:bodyPr wrap="square" rtlCol="0">
+              <a:spAutoFit/>
+            </a:bodyPr>
+            <a:lstStyle/>
+            <a:p>
+              <a:r>
+                <a:rPr lang="ko-KR" altLang="en-US" sz="1000" dirty="0" err="1"/>
+                <a:t>쿠키런</a:t>
+              </a:r>
+              <a:r>
+                <a:rPr lang="ko-KR" altLang="en-US" sz="1000" dirty="0"/>
+                <a:t> 소개</a:t>
+              </a:r>
+              <a:r>
+                <a:rPr lang="en-US" altLang="ko-KR" sz="1000" dirty="0"/>
+                <a:t>	</a:t>
+              </a:r>
+              <a:endParaRPr lang="ko-KR" altLang="en-US" sz="1000" dirty="0"/>
+            </a:p>
+          </p:txBody>
+        </p:sp>
+        <p:sp>
+          <p:nvSpPr>
+            <p:cNvPr id="22" name="실행 단추: 앞으로 또는 다음으로 이동 21">
+              <a:hlinkClick r:id="" action="ppaction://hlinkshowjump?jump=nextslide" highlightClick="1"/>
+              <a:extLst>
+                <a:ext uri="{FF2B5EF4-FFF2-40B4-BE49-F238E27FC236}">
+                  <a16:creationId xmlns:a16="http://schemas.microsoft.com/office/drawing/2014/main" id="{B8806981-C5DB-40A3-B64E-B39C8CC52796}"/>
+                </a:ext>
+              </a:extLst>
+            </p:cNvPr>
+            <p:cNvSpPr/>
+            <p:nvPr/>
+          </p:nvSpPr>
+          <p:spPr>
+            <a:xfrm rot="5400000">
+              <a:off x="11338951" y="874134"/>
+              <a:ext cx="146778" cy="164828"/>
+            </a:xfrm>
+            <a:prstGeom prst="actionButtonForwardNext">
+              <a:avLst/>
+            </a:prstGeom>
+            <a:noFill/>
+            <a:ln>
+              <a:solidFill>
+                <a:schemeClr val="tx1"/>
+              </a:solidFill>
+            </a:ln>
+          </p:spPr>
+          <p:style>
+            <a:lnRef idx="2">
+              <a:schemeClr val="accent1">
+                <a:shade val="50000"/>
+              </a:schemeClr>
+            </a:lnRef>
+            <a:fillRef idx="1">
+              <a:schemeClr val="accent1"/>
+            </a:fillRef>
+            <a:effectRef idx="0">
+              <a:schemeClr val="accent1"/>
+            </a:effectRef>
+            <a:fontRef idx="minor">
+              <a:schemeClr val="lt1"/>
+            </a:fontRef>
+          </p:style>
+          <p:txBody>
+            <a:bodyPr rtlCol="0" anchor="ctr"/>
+            <a:lstStyle/>
+            <a:p>
+              <a:pPr algn="ctr"/>
+              <a:endParaRPr lang="ko-KR" altLang="en-US"/>
+            </a:p>
+          </p:txBody>
+        </p:sp>
+      </p:grpSp>
+      <p:grpSp>
+        <p:nvGrpSpPr>
+          <p:cNvPr id="24" name="그룹 23">
+            <a:extLst>
+              <a:ext uri="{FF2B5EF4-FFF2-40B4-BE49-F238E27FC236}">
+                <a16:creationId xmlns:a16="http://schemas.microsoft.com/office/drawing/2014/main" id="{176D847A-838D-4352-B076-1243E6DCF6B0}"/>
+              </a:ext>
+            </a:extLst>
+          </p:cNvPr>
+          <p:cNvGrpSpPr/>
+          <p:nvPr/>
+        </p:nvGrpSpPr>
+        <p:grpSpPr>
+          <a:xfrm>
+            <a:off x="9940666" y="1738540"/>
+            <a:ext cx="1605106" cy="246221"/>
+            <a:chOff x="9940666" y="833437"/>
+            <a:chExt cx="1605106" cy="246221"/>
+          </a:xfrm>
+        </p:grpSpPr>
+        <p:sp>
+          <p:nvSpPr>
+            <p:cNvPr id="25" name="TextBox 24">
+              <a:extLst>
+                <a:ext uri="{FF2B5EF4-FFF2-40B4-BE49-F238E27FC236}">
+                  <a16:creationId xmlns:a16="http://schemas.microsoft.com/office/drawing/2014/main" id="{E51B7067-58D5-4A92-9C52-B7AA13429C82}"/>
+                </a:ext>
+              </a:extLst>
+            </p:cNvPr>
+            <p:cNvSpPr txBox="1"/>
+            <p:nvPr/>
+          </p:nvSpPr>
+          <p:spPr>
+            <a:xfrm>
+              <a:off x="9940666" y="833437"/>
+              <a:ext cx="1605106" cy="246221"/>
+            </a:xfrm>
+            <a:prstGeom prst="rect">
+              <a:avLst/>
+            </a:prstGeom>
+            <a:noFill/>
+            <a:ln w="28575">
+              <a:solidFill>
+                <a:schemeClr val="tx1"/>
+              </a:solidFill>
+            </a:ln>
+          </p:spPr>
+          <p:txBody>
+            <a:bodyPr wrap="square" rtlCol="0">
+              <a:spAutoFit/>
+            </a:bodyPr>
+            <a:lstStyle/>
+            <a:p>
+              <a:r>
+                <a:rPr lang="ko-KR" altLang="en-US" sz="1000" dirty="0"/>
+                <a:t>예술 작품들</a:t>
+              </a:r>
+              <a:r>
+                <a:rPr lang="en-US" altLang="ko-KR" sz="1000" dirty="0"/>
+                <a:t>	</a:t>
+              </a:r>
+              <a:endParaRPr lang="ko-KR" altLang="en-US" sz="1000" dirty="0"/>
+            </a:p>
+          </p:txBody>
+        </p:sp>
+        <p:sp>
+          <p:nvSpPr>
+            <p:cNvPr id="26" name="실행 단추: 앞으로 또는 다음으로 이동 25">
+              <a:hlinkClick r:id="" action="ppaction://hlinkshowjump?jump=nextslide" highlightClick="1"/>
+              <a:extLst>
+                <a:ext uri="{FF2B5EF4-FFF2-40B4-BE49-F238E27FC236}">
+                  <a16:creationId xmlns:a16="http://schemas.microsoft.com/office/drawing/2014/main" id="{41936CF0-CA0A-474E-866A-80FEC465967C}"/>
+                </a:ext>
+              </a:extLst>
+            </p:cNvPr>
+            <p:cNvSpPr/>
+            <p:nvPr/>
+          </p:nvSpPr>
+          <p:spPr>
+            <a:xfrm rot="5400000">
+              <a:off x="11338951" y="874134"/>
+              <a:ext cx="146778" cy="164828"/>
+            </a:xfrm>
+            <a:prstGeom prst="actionButtonForwardNext">
+              <a:avLst/>
+            </a:prstGeom>
+            <a:noFill/>
+            <a:ln>
+              <a:solidFill>
+                <a:schemeClr val="tx1"/>
+              </a:solidFill>
+            </a:ln>
+          </p:spPr>
+          <p:style>
+            <a:lnRef idx="2">
+              <a:schemeClr val="accent1">
+                <a:shade val="50000"/>
+              </a:schemeClr>
+            </a:lnRef>
+            <a:fillRef idx="1">
+              <a:schemeClr val="accent1"/>
+            </a:fillRef>
+            <a:effectRef idx="0">
+              <a:schemeClr val="accent1"/>
+            </a:effectRef>
+            <a:fontRef idx="minor">
+              <a:schemeClr val="lt1"/>
+            </a:fontRef>
+          </p:style>
+          <p:txBody>
+            <a:bodyPr rtlCol="0" anchor="ctr"/>
+            <a:lstStyle/>
+            <a:p>
+              <a:pPr algn="ctr"/>
+              <a:endParaRPr lang="ko-KR" altLang="en-US"/>
+            </a:p>
+          </p:txBody>
+        </p:sp>
+      </p:grpSp>
+      <p:grpSp>
+        <p:nvGrpSpPr>
+          <p:cNvPr id="27" name="그룹 26">
+            <a:extLst>
+              <a:ext uri="{FF2B5EF4-FFF2-40B4-BE49-F238E27FC236}">
+                <a16:creationId xmlns:a16="http://schemas.microsoft.com/office/drawing/2014/main" id="{F2AE20B6-AB54-45F1-A54B-99E3A3CD9998}"/>
+              </a:ext>
+            </a:extLst>
+          </p:cNvPr>
+          <p:cNvGrpSpPr/>
+          <p:nvPr/>
+        </p:nvGrpSpPr>
+        <p:grpSpPr>
+          <a:xfrm>
+            <a:off x="9940666" y="3200401"/>
+            <a:ext cx="1605106" cy="246221"/>
+            <a:chOff x="9940666" y="833437"/>
+            <a:chExt cx="1605106" cy="246221"/>
+          </a:xfrm>
+        </p:grpSpPr>
+        <p:sp>
+          <p:nvSpPr>
+            <p:cNvPr id="28" name="TextBox 27">
+              <a:extLst>
+                <a:ext uri="{FF2B5EF4-FFF2-40B4-BE49-F238E27FC236}">
+                  <a16:creationId xmlns:a16="http://schemas.microsoft.com/office/drawing/2014/main" id="{4928BDBB-5246-482E-94CB-46B7E6CF3B50}"/>
+                </a:ext>
+              </a:extLst>
+            </p:cNvPr>
+            <p:cNvSpPr txBox="1"/>
+            <p:nvPr/>
+          </p:nvSpPr>
+          <p:spPr>
+            <a:xfrm>
+              <a:off x="9940666" y="833437"/>
+              <a:ext cx="1605106" cy="246221"/>
+            </a:xfrm>
+            <a:prstGeom prst="rect">
+              <a:avLst/>
+            </a:prstGeom>
+            <a:noFill/>
+            <a:ln w="28575">
+              <a:solidFill>
+                <a:schemeClr val="tx1"/>
+              </a:solidFill>
+            </a:ln>
+          </p:spPr>
+          <p:txBody>
+            <a:bodyPr wrap="square" rtlCol="0">
+              <a:spAutoFit/>
+            </a:bodyPr>
+            <a:lstStyle/>
+            <a:p>
+              <a:r>
+                <a:rPr lang="en-US" altLang="ko-KR" sz="1000" dirty="0"/>
+                <a:t>SNS	</a:t>
+              </a:r>
+              <a:endParaRPr lang="ko-KR" altLang="en-US" sz="1000" dirty="0"/>
+            </a:p>
+          </p:txBody>
+        </p:sp>
+        <p:sp>
+          <p:nvSpPr>
+            <p:cNvPr id="29" name="실행 단추: 앞으로 또는 다음으로 이동 28">
+              <a:hlinkClick r:id="" action="ppaction://hlinkshowjump?jump=nextslide" highlightClick="1"/>
+              <a:extLst>
+                <a:ext uri="{FF2B5EF4-FFF2-40B4-BE49-F238E27FC236}">
+                  <a16:creationId xmlns:a16="http://schemas.microsoft.com/office/drawing/2014/main" id="{14A951D8-A989-4C3A-A096-21AFCC2E61E3}"/>
+                </a:ext>
+              </a:extLst>
+            </p:cNvPr>
+            <p:cNvSpPr/>
+            <p:nvPr/>
+          </p:nvSpPr>
+          <p:spPr>
+            <a:xfrm rot="5400000">
+              <a:off x="11338951" y="874134"/>
+              <a:ext cx="146778" cy="164828"/>
+            </a:xfrm>
+            <a:prstGeom prst="actionButtonForwardNext">
+              <a:avLst/>
+            </a:prstGeom>
+            <a:noFill/>
+            <a:ln>
+              <a:solidFill>
+                <a:schemeClr val="tx1"/>
+              </a:solidFill>
+            </a:ln>
+          </p:spPr>
+          <p:style>
+            <a:lnRef idx="2">
+              <a:schemeClr val="accent1">
+                <a:shade val="50000"/>
+              </a:schemeClr>
+            </a:lnRef>
+            <a:fillRef idx="1">
+              <a:schemeClr val="accent1"/>
+            </a:fillRef>
+            <a:effectRef idx="0">
+              <a:schemeClr val="accent1"/>
+            </a:effectRef>
+            <a:fontRef idx="minor">
+              <a:schemeClr val="lt1"/>
+            </a:fontRef>
+          </p:style>
+          <p:txBody>
+            <a:bodyPr rtlCol="0" anchor="ctr"/>
+            <a:lstStyle/>
+            <a:p>
+              <a:pPr algn="ctr"/>
+              <a:endParaRPr lang="ko-KR" altLang="en-US"/>
+            </a:p>
+          </p:txBody>
+        </p:sp>
+      </p:grpSp>
+      <p:sp>
+        <p:nvSpPr>
+          <p:cNvPr id="30" name="TextBox 29">
+            <a:extLst>
+              <a:ext uri="{FF2B5EF4-FFF2-40B4-BE49-F238E27FC236}">
+                <a16:creationId xmlns:a16="http://schemas.microsoft.com/office/drawing/2014/main" id="{0E155929-E771-46CD-BBE8-2CA5CCDF63A2}"/>
+              </a:ext>
+            </a:extLst>
+          </p:cNvPr>
+          <p:cNvSpPr txBox="1"/>
+          <p:nvPr/>
+        </p:nvSpPr>
+        <p:spPr>
+          <a:xfrm>
+            <a:off x="9893572" y="1126011"/>
+            <a:ext cx="1573710" cy="246221"/>
+          </a:xfrm>
+          <a:prstGeom prst="rect">
+            <a:avLst/>
+          </a:prstGeom>
+          <a:noFill/>
+        </p:spPr>
+        <p:txBody>
+          <a:bodyPr wrap="square" rtlCol="0">
+            <a:spAutoFit/>
+          </a:bodyPr>
+          <a:lstStyle/>
+          <a:p>
+            <a:r>
+              <a:rPr lang="ko-KR" altLang="en-US" sz="1000" dirty="0" err="1"/>
+              <a:t>쿠키런의</a:t>
+            </a:r>
+            <a:r>
+              <a:rPr lang="ko-KR" altLang="en-US" sz="1000" dirty="0"/>
+              <a:t> 시초</a:t>
+            </a:r>
+          </a:p>
+        </p:txBody>
+      </p:sp>
+      <p:sp>
+        <p:nvSpPr>
+          <p:cNvPr id="31" name="TextBox 30">
+            <a:extLst>
+              <a:ext uri="{FF2B5EF4-FFF2-40B4-BE49-F238E27FC236}">
+                <a16:creationId xmlns:a16="http://schemas.microsoft.com/office/drawing/2014/main" id="{EF8F07F5-FF71-4C77-A3B3-1D309E99CD83}"/>
+              </a:ext>
+            </a:extLst>
+          </p:cNvPr>
+          <p:cNvSpPr txBox="1"/>
+          <p:nvPr/>
+        </p:nvSpPr>
+        <p:spPr>
+          <a:xfrm>
+            <a:off x="9893572" y="1372232"/>
+            <a:ext cx="1573710" cy="246221"/>
+          </a:xfrm>
+          <a:prstGeom prst="rect">
+            <a:avLst/>
+          </a:prstGeom>
+          <a:noFill/>
+        </p:spPr>
+        <p:txBody>
+          <a:bodyPr wrap="square" rtlCol="0">
+            <a:spAutoFit/>
+          </a:bodyPr>
+          <a:lstStyle/>
+          <a:p>
+            <a:r>
+              <a:rPr lang="ko-KR" altLang="en-US" sz="1000" dirty="0" err="1"/>
+              <a:t>쿠키런의</a:t>
+            </a:r>
+            <a:r>
+              <a:rPr lang="ko-KR" altLang="en-US" sz="1000" dirty="0"/>
+              <a:t> 로그라인</a:t>
+            </a:r>
+          </a:p>
+        </p:txBody>
+      </p:sp>
+      <p:sp>
+        <p:nvSpPr>
+          <p:cNvPr id="32" name="TextBox 31">
+            <a:extLst>
+              <a:ext uri="{FF2B5EF4-FFF2-40B4-BE49-F238E27FC236}">
+                <a16:creationId xmlns:a16="http://schemas.microsoft.com/office/drawing/2014/main" id="{F9E017EC-434B-4C5D-98E7-CE48A69BF183}"/>
+              </a:ext>
+            </a:extLst>
+          </p:cNvPr>
+          <p:cNvSpPr txBox="1"/>
+          <p:nvPr/>
+        </p:nvSpPr>
+        <p:spPr>
+          <a:xfrm>
+            <a:off x="9893572" y="2028212"/>
+            <a:ext cx="1573710" cy="246221"/>
+          </a:xfrm>
+          <a:prstGeom prst="rect">
+            <a:avLst/>
+          </a:prstGeom>
+          <a:noFill/>
+        </p:spPr>
+        <p:txBody>
+          <a:bodyPr wrap="square" rtlCol="0">
+            <a:spAutoFit/>
+          </a:bodyPr>
+          <a:lstStyle/>
+          <a:p>
+            <a:r>
+              <a:rPr lang="ko-KR" altLang="en-US" sz="1000" dirty="0" err="1"/>
+              <a:t>샌드아트</a:t>
+            </a:r>
+            <a:r>
+              <a:rPr lang="ko-KR" altLang="en-US" sz="1000" dirty="0"/>
+              <a:t> </a:t>
+            </a:r>
+            <a:r>
+              <a:rPr lang="en-US" altLang="ko-KR" sz="1000" dirty="0"/>
+              <a:t>/ </a:t>
+            </a:r>
+            <a:r>
+              <a:rPr lang="ko-KR" altLang="en-US" sz="1000" dirty="0"/>
+              <a:t>나전칠기</a:t>
+            </a:r>
+          </a:p>
+        </p:txBody>
+      </p:sp>
+      <p:sp>
+        <p:nvSpPr>
+          <p:cNvPr id="33" name="TextBox 32">
+            <a:extLst>
+              <a:ext uri="{FF2B5EF4-FFF2-40B4-BE49-F238E27FC236}">
+                <a16:creationId xmlns:a16="http://schemas.microsoft.com/office/drawing/2014/main" id="{008662F8-1D8B-452B-A484-FB0FBC75050F}"/>
+              </a:ext>
+            </a:extLst>
+          </p:cNvPr>
+          <p:cNvSpPr txBox="1"/>
+          <p:nvPr/>
+        </p:nvSpPr>
+        <p:spPr>
+          <a:xfrm>
+            <a:off x="9893572" y="2274433"/>
+            <a:ext cx="1573710" cy="246221"/>
+          </a:xfrm>
+          <a:prstGeom prst="rect">
+            <a:avLst/>
+          </a:prstGeom>
+          <a:noFill/>
+        </p:spPr>
+        <p:txBody>
+          <a:bodyPr wrap="square" rtlCol="0">
+            <a:spAutoFit/>
+          </a:bodyPr>
+          <a:lstStyle/>
+          <a:p>
+            <a:r>
+              <a:rPr lang="ko-KR" altLang="en-US" sz="1000" dirty="0"/>
+              <a:t>분청사기 </a:t>
+            </a:r>
+            <a:r>
+              <a:rPr lang="en-US" altLang="ko-KR" sz="1000" dirty="0"/>
+              <a:t>/ </a:t>
+            </a:r>
+            <a:r>
+              <a:rPr lang="ko-KR" altLang="en-US" sz="1000" dirty="0"/>
+              <a:t>금박공예</a:t>
+            </a:r>
+          </a:p>
+        </p:txBody>
+      </p:sp>
+      <p:sp>
+        <p:nvSpPr>
+          <p:cNvPr id="34" name="TextBox 33">
+            <a:extLst>
+              <a:ext uri="{FF2B5EF4-FFF2-40B4-BE49-F238E27FC236}">
+                <a16:creationId xmlns:a16="http://schemas.microsoft.com/office/drawing/2014/main" id="{3BFE220A-3879-4FAB-A27E-6DD6D67936CC}"/>
+              </a:ext>
+            </a:extLst>
+          </p:cNvPr>
+          <p:cNvSpPr txBox="1"/>
+          <p:nvPr/>
+        </p:nvSpPr>
+        <p:spPr>
+          <a:xfrm>
+            <a:off x="9893572" y="2520654"/>
+            <a:ext cx="1573710" cy="246221"/>
+          </a:xfrm>
+          <a:prstGeom prst="rect">
+            <a:avLst/>
+          </a:prstGeom>
+          <a:noFill/>
+        </p:spPr>
+        <p:txBody>
+          <a:bodyPr wrap="square" rtlCol="0">
+            <a:spAutoFit/>
+          </a:bodyPr>
+          <a:lstStyle/>
+          <a:p>
+            <a:r>
+              <a:rPr lang="ko-KR" altLang="en-US" sz="1000" dirty="0"/>
+              <a:t>전통 탈 </a:t>
+            </a:r>
+            <a:r>
+              <a:rPr lang="en-US" altLang="ko-KR" sz="1000" dirty="0"/>
+              <a:t>/ </a:t>
+            </a:r>
+            <a:r>
+              <a:rPr lang="ko-KR" altLang="en-US" sz="1000" dirty="0" err="1"/>
+              <a:t>화각장</a:t>
+            </a:r>
+            <a:endParaRPr lang="ko-KR" altLang="en-US" sz="1000" dirty="0"/>
+          </a:p>
+        </p:txBody>
+      </p:sp>
+      <p:sp>
+        <p:nvSpPr>
+          <p:cNvPr id="35" name="TextBox 34">
+            <a:extLst>
+              <a:ext uri="{FF2B5EF4-FFF2-40B4-BE49-F238E27FC236}">
+                <a16:creationId xmlns:a16="http://schemas.microsoft.com/office/drawing/2014/main" id="{AA26C140-8EFF-4E25-BBDD-C1F26B380785}"/>
+              </a:ext>
+            </a:extLst>
+          </p:cNvPr>
+          <p:cNvSpPr txBox="1"/>
+          <p:nvPr/>
+        </p:nvSpPr>
+        <p:spPr>
+          <a:xfrm>
+            <a:off x="9893572" y="2766875"/>
+            <a:ext cx="1573710" cy="246221"/>
+          </a:xfrm>
+          <a:prstGeom prst="rect">
+            <a:avLst/>
+          </a:prstGeom>
+          <a:noFill/>
+        </p:spPr>
+        <p:txBody>
+          <a:bodyPr wrap="square" rtlCol="0">
+            <a:spAutoFit/>
+          </a:bodyPr>
+          <a:lstStyle/>
+          <a:p>
+            <a:r>
+              <a:rPr lang="ko-KR" altLang="en-US" sz="1000" dirty="0" err="1"/>
+              <a:t>낙화장</a:t>
+            </a:r>
+            <a:r>
+              <a:rPr lang="ko-KR" altLang="en-US" sz="1000" dirty="0"/>
+              <a:t> </a:t>
+            </a:r>
+            <a:r>
+              <a:rPr lang="en-US" altLang="ko-KR" sz="1000" dirty="0"/>
+              <a:t>/ </a:t>
+            </a:r>
+            <a:r>
+              <a:rPr lang="ko-KR" altLang="en-US" sz="1000" dirty="0"/>
+              <a:t>전통 등</a:t>
+            </a:r>
+          </a:p>
+        </p:txBody>
+      </p:sp>
+      <p:sp>
+        <p:nvSpPr>
+          <p:cNvPr id="36" name="TextBox 35">
+            <a:extLst>
+              <a:ext uri="{FF2B5EF4-FFF2-40B4-BE49-F238E27FC236}">
+                <a16:creationId xmlns:a16="http://schemas.microsoft.com/office/drawing/2014/main" id="{10048CD1-3630-402B-911E-BADC33DE2FC6}"/>
+              </a:ext>
+            </a:extLst>
+          </p:cNvPr>
+          <p:cNvSpPr txBox="1"/>
+          <p:nvPr/>
+        </p:nvSpPr>
+        <p:spPr>
+          <a:xfrm>
+            <a:off x="9893572" y="3510816"/>
+            <a:ext cx="1573710" cy="246221"/>
+          </a:xfrm>
+          <a:prstGeom prst="rect">
+            <a:avLst/>
+          </a:prstGeom>
+          <a:noFill/>
+        </p:spPr>
+        <p:txBody>
+          <a:bodyPr wrap="square" rtlCol="0">
+            <a:spAutoFit/>
+          </a:bodyPr>
+          <a:lstStyle/>
+          <a:p>
+            <a:r>
+              <a:rPr lang="en-US" altLang="ko-KR" sz="1000" dirty="0"/>
+              <a:t>YOUTUBE</a:t>
+            </a:r>
+            <a:endParaRPr lang="ko-KR" altLang="en-US" sz="1000" dirty="0"/>
+          </a:p>
+        </p:txBody>
+      </p:sp>
+    </p:spTree>
+    <p:extLst>
+      <p:ext uri="{BB962C8B-B14F-4D97-AF65-F5344CB8AC3E}">
+        <p14:creationId xmlns:p14="http://schemas.microsoft.com/office/powerpoint/2010/main" val="1904572747"/>
+      </p:ext>
+    </p:extLst>
+  </p:cSld>
+  <p:clrMapOvr>
+    <a:masterClrMapping/>
+  </p:clrMapOvr>
+</p:sld>
+</file>
+
+<file path=ppt/slides/slide3.xml><?xml version="1.0" encoding="utf-8"?>
+<p:sld xmlns:a="http://schemas.openxmlformats.org/drawingml/2006/main" xmlns:r="http://schemas.openxmlformats.org/officeDocument/2006/relationships" xmlns:p="http://schemas.openxmlformats.org/presentationml/2006/main">
+  <p:cSld>
+    <p:spTree>
+      <p:nvGrpSpPr>
+        <p:cNvPr id="1" name=""/>
+        <p:cNvGrpSpPr/>
+        <p:nvPr/>
+      </p:nvGrpSpPr>
+      <p:grpSpPr>
+        <a:xfrm>
+          <a:off x="0" y="0"/>
+          <a:ext cx="0" cy="0"/>
+          <a:chOff x="0" y="0"/>
+          <a:chExt cx="0" cy="0"/>
+        </a:xfrm>
+      </p:grpSpPr>
+      <p:sp>
+        <p:nvSpPr>
+          <p:cNvPr id="2" name="직사각형 1">
+            <a:extLst>
+              <a:ext uri="{FF2B5EF4-FFF2-40B4-BE49-F238E27FC236}">
+                <a16:creationId xmlns:a16="http://schemas.microsoft.com/office/drawing/2014/main" id="{98BB4FF0-BC66-4FAD-9D74-E8B9765BE980}"/>
+              </a:ext>
+            </a:extLst>
+          </p:cNvPr>
+          <p:cNvSpPr/>
+          <p:nvPr/>
+        </p:nvSpPr>
+        <p:spPr>
+          <a:xfrm>
+            <a:off x="341429" y="207996"/>
+            <a:ext cx="2146681" cy="396371"/>
+          </a:xfrm>
+          <a:prstGeom prst="rect">
+            <a:avLst/>
+          </a:prstGeom>
+        </p:spPr>
+        <p:style>
+          <a:lnRef idx="2">
+            <a:schemeClr val="accent1">
+              <a:shade val="50000"/>
+            </a:schemeClr>
+          </a:lnRef>
+          <a:fillRef idx="1">
+            <a:schemeClr val="accent1"/>
+          </a:fillRef>
+          <a:effectRef idx="0">
+            <a:schemeClr val="accent1"/>
+          </a:effectRef>
+          <a:fontRef idx="minor">
+            <a:schemeClr val="lt1"/>
+          </a:fontRef>
+        </p:style>
+        <p:txBody>
+          <a:bodyPr rtlCol="0" anchor="ctr"/>
+          <a:lstStyle/>
+          <a:p>
+            <a:pPr algn="ctr"/>
+            <a:r>
+              <a:rPr lang="ko-KR" altLang="en-US" dirty="0" err="1"/>
+              <a:t>쿠키런</a:t>
+            </a:r>
+            <a:r>
+              <a:rPr lang="ko-KR" altLang="en-US" dirty="0"/>
+              <a:t> 소개</a:t>
+            </a:r>
+          </a:p>
+        </p:txBody>
+      </p:sp>
+      <p:sp>
+        <p:nvSpPr>
+          <p:cNvPr id="3" name="직사각형 2">
+            <a:extLst>
+              <a:ext uri="{FF2B5EF4-FFF2-40B4-BE49-F238E27FC236}">
+                <a16:creationId xmlns:a16="http://schemas.microsoft.com/office/drawing/2014/main" id="{4025A941-810D-423B-BED9-56C44FDA44AD}"/>
+              </a:ext>
+            </a:extLst>
+          </p:cNvPr>
+          <p:cNvSpPr/>
+          <p:nvPr/>
+        </p:nvSpPr>
+        <p:spPr>
+          <a:xfrm>
+            <a:off x="3084628" y="671083"/>
+            <a:ext cx="5659077" cy="6086843"/>
+          </a:xfrm>
+          <a:prstGeom prst="rect">
+            <a:avLst/>
+          </a:prstGeom>
+        </p:spPr>
+        <p:style>
+          <a:lnRef idx="2">
+            <a:schemeClr val="accent3"/>
+          </a:lnRef>
+          <a:fillRef idx="1">
+            <a:schemeClr val="lt1"/>
+          </a:fillRef>
+          <a:effectRef idx="0">
+            <a:schemeClr val="accent3"/>
+          </a:effectRef>
+          <a:fontRef idx="minor">
+            <a:schemeClr val="dk1"/>
+          </a:fontRef>
+        </p:style>
+        <p:txBody>
+          <a:bodyPr rtlCol="0" anchor="ctr"/>
+          <a:lstStyle/>
+          <a:p>
+            <a:pPr algn="ctr"/>
+            <a:endParaRPr lang="ko-KR" altLang="en-US"/>
+          </a:p>
+        </p:txBody>
+      </p:sp>
+      <p:sp>
+        <p:nvSpPr>
+          <p:cNvPr id="4" name="직사각형 3">
+            <a:extLst>
+              <a:ext uri="{FF2B5EF4-FFF2-40B4-BE49-F238E27FC236}">
+                <a16:creationId xmlns:a16="http://schemas.microsoft.com/office/drawing/2014/main" id="{A2FF42D6-DDDC-4E81-84E9-23E2847AE9D0}"/>
+              </a:ext>
+            </a:extLst>
+          </p:cNvPr>
+          <p:cNvSpPr/>
+          <p:nvPr/>
+        </p:nvSpPr>
+        <p:spPr>
+          <a:xfrm>
+            <a:off x="3457453" y="1036058"/>
+            <a:ext cx="3198437" cy="2185927"/>
+          </a:xfrm>
+          <a:prstGeom prst="rect">
+            <a:avLst/>
+          </a:prstGeom>
+        </p:spPr>
+        <p:style>
+          <a:lnRef idx="2">
+            <a:schemeClr val="dk1"/>
+          </a:lnRef>
+          <a:fillRef idx="1">
+            <a:schemeClr val="lt1"/>
+          </a:fillRef>
+          <a:effectRef idx="0">
+            <a:schemeClr val="dk1"/>
+          </a:effectRef>
+          <a:fontRef idx="minor">
+            <a:schemeClr val="dk1"/>
+          </a:fontRef>
+        </p:style>
+        <p:txBody>
+          <a:bodyPr rtlCol="0" anchor="ctr"/>
+          <a:lstStyle/>
+          <a:p>
+            <a:pPr algn="ctr"/>
+            <a:r>
+              <a:rPr lang="ko-KR" altLang="en-US" dirty="0" err="1"/>
+              <a:t>쿠키런</a:t>
+            </a:r>
+            <a:r>
+              <a:rPr lang="ko-KR" altLang="en-US" dirty="0"/>
+              <a:t> 플레이 영상</a:t>
+            </a:r>
+            <a:endParaRPr lang="en-US" altLang="ko-KR" dirty="0"/>
+          </a:p>
+          <a:p>
+            <a:pPr algn="ctr"/>
+            <a:r>
+              <a:rPr lang="en-US" altLang="ko-KR" dirty="0"/>
+              <a:t>&lt;</a:t>
+            </a:r>
+            <a:r>
+              <a:rPr lang="en-US" altLang="ko-KR" dirty="0" err="1"/>
+              <a:t>src</a:t>
+            </a:r>
+            <a:r>
+              <a:rPr lang="en-US" altLang="ko-KR" dirty="0"/>
+              <a:t>&gt;</a:t>
+            </a:r>
+            <a:endParaRPr lang="ko-KR" altLang="en-US" dirty="0"/>
+          </a:p>
+        </p:txBody>
+      </p:sp>
+      <p:sp>
+        <p:nvSpPr>
+          <p:cNvPr id="5" name="직사각형 4">
+            <a:extLst>
+              <a:ext uri="{FF2B5EF4-FFF2-40B4-BE49-F238E27FC236}">
+                <a16:creationId xmlns:a16="http://schemas.microsoft.com/office/drawing/2014/main" id="{57140E56-2B1D-4D61-B773-339BD3A8376B}"/>
+              </a:ext>
+            </a:extLst>
+          </p:cNvPr>
+          <p:cNvSpPr/>
+          <p:nvPr/>
+        </p:nvSpPr>
+        <p:spPr>
+          <a:xfrm>
+            <a:off x="5172443" y="4076863"/>
+            <a:ext cx="3129105" cy="2185927"/>
+          </a:xfrm>
+          <a:prstGeom prst="rect">
+            <a:avLst/>
+          </a:prstGeom>
+        </p:spPr>
+        <p:style>
+          <a:lnRef idx="2">
+            <a:schemeClr val="dk1"/>
+          </a:lnRef>
+          <a:fillRef idx="1">
+            <a:schemeClr val="lt1"/>
+          </a:fillRef>
+          <a:effectRef idx="0">
+            <a:schemeClr val="dk1"/>
+          </a:effectRef>
+          <a:fontRef idx="minor">
+            <a:schemeClr val="dk1"/>
+          </a:fontRef>
+        </p:style>
+        <p:txBody>
+          <a:bodyPr rtlCol="0" anchor="ctr"/>
+          <a:lstStyle/>
+          <a:p>
+            <a:pPr algn="ctr"/>
+            <a:r>
+              <a:rPr lang="ko-KR" altLang="en-US" dirty="0" err="1"/>
+              <a:t>쿠키런의</a:t>
+            </a:r>
+            <a:r>
+              <a:rPr lang="ko-KR" altLang="en-US" dirty="0"/>
+              <a:t> 로그라인</a:t>
+            </a:r>
+            <a:endParaRPr lang="en-US" altLang="ko-KR" dirty="0"/>
+          </a:p>
+          <a:p>
+            <a:pPr algn="ctr"/>
+            <a:r>
+              <a:rPr lang="en-US" altLang="ko-KR" dirty="0"/>
+              <a:t>&lt;</a:t>
+            </a:r>
+            <a:r>
+              <a:rPr lang="en-US" altLang="ko-KR" dirty="0" err="1"/>
+              <a:t>src</a:t>
+            </a:r>
+            <a:r>
+              <a:rPr lang="en-US" altLang="ko-KR" dirty="0"/>
+              <a:t>&gt;</a:t>
+            </a:r>
+          </a:p>
+        </p:txBody>
+      </p:sp>
+      <p:sp>
+        <p:nvSpPr>
+          <p:cNvPr id="6" name="TextBox 5">
+            <a:extLst>
+              <a:ext uri="{FF2B5EF4-FFF2-40B4-BE49-F238E27FC236}">
+                <a16:creationId xmlns:a16="http://schemas.microsoft.com/office/drawing/2014/main" id="{20F3F9D5-2E36-4559-9329-CFD12A5E1984}"/>
+              </a:ext>
+            </a:extLst>
+          </p:cNvPr>
+          <p:cNvSpPr txBox="1"/>
+          <p:nvPr/>
+        </p:nvSpPr>
+        <p:spPr>
+          <a:xfrm>
+            <a:off x="3622280" y="3429000"/>
+            <a:ext cx="4281590" cy="246221"/>
+          </a:xfrm>
+          <a:prstGeom prst="rect">
+            <a:avLst/>
+          </a:prstGeom>
+          <a:noFill/>
+        </p:spPr>
+        <p:txBody>
+          <a:bodyPr wrap="square" rtlCol="0">
+            <a:spAutoFit/>
+          </a:bodyPr>
+          <a:lstStyle/>
+          <a:p>
+            <a:r>
+              <a:rPr lang="en-US" altLang="ko-KR" sz="1000" dirty="0"/>
+              <a:t>- </a:t>
+            </a:r>
+            <a:r>
+              <a:rPr lang="ko-KR" altLang="en-US" sz="1000" dirty="0" err="1"/>
+              <a:t>쿠키런이</a:t>
+            </a:r>
+            <a:r>
+              <a:rPr lang="ko-KR" altLang="en-US" sz="1000" dirty="0"/>
+              <a:t> 시작하게 된 계기 설명 </a:t>
+            </a:r>
+            <a:r>
+              <a:rPr lang="en-US" altLang="ko-KR" sz="1000" dirty="0"/>
+              <a:t>-</a:t>
+            </a:r>
+            <a:endParaRPr lang="ko-KR" altLang="en-US" sz="1000" dirty="0"/>
+          </a:p>
+        </p:txBody>
+      </p:sp>
+      <p:sp>
+        <p:nvSpPr>
+          <p:cNvPr id="7" name="TextBox 6">
+            <a:extLst>
+              <a:ext uri="{FF2B5EF4-FFF2-40B4-BE49-F238E27FC236}">
+                <a16:creationId xmlns:a16="http://schemas.microsoft.com/office/drawing/2014/main" id="{D06A1C15-1CA8-496E-8F75-193FBAD60F96}"/>
+              </a:ext>
+            </a:extLst>
+          </p:cNvPr>
+          <p:cNvSpPr txBox="1"/>
+          <p:nvPr/>
+        </p:nvSpPr>
+        <p:spPr>
+          <a:xfrm>
+            <a:off x="3622280" y="6388921"/>
+            <a:ext cx="4281590" cy="246221"/>
+          </a:xfrm>
+          <a:prstGeom prst="rect">
+            <a:avLst/>
+          </a:prstGeom>
+          <a:noFill/>
+        </p:spPr>
+        <p:txBody>
+          <a:bodyPr wrap="square" rtlCol="0">
+            <a:spAutoFit/>
+          </a:bodyPr>
+          <a:lstStyle/>
+          <a:p>
+            <a:pPr algn="r"/>
+            <a:r>
+              <a:rPr lang="ko-KR" altLang="en-US" sz="1000" dirty="0" err="1"/>
+              <a:t>쿠키런의</a:t>
+            </a:r>
+            <a:r>
+              <a:rPr lang="ko-KR" altLang="en-US" sz="1000" dirty="0"/>
+              <a:t> 전반적인 스토리</a:t>
+            </a:r>
+          </a:p>
+        </p:txBody>
+      </p:sp>
+      <p:sp>
+        <p:nvSpPr>
+          <p:cNvPr id="8" name="직사각형 7">
+            <a:extLst>
+              <a:ext uri="{FF2B5EF4-FFF2-40B4-BE49-F238E27FC236}">
+                <a16:creationId xmlns:a16="http://schemas.microsoft.com/office/drawing/2014/main" id="{39DD0888-67CC-4523-8B52-1E42DC636253}"/>
+              </a:ext>
+            </a:extLst>
+          </p:cNvPr>
+          <p:cNvSpPr/>
+          <p:nvPr/>
+        </p:nvSpPr>
+        <p:spPr>
+          <a:xfrm>
+            <a:off x="6785397" y="1036058"/>
+            <a:ext cx="1516151" cy="2185927"/>
+          </a:xfrm>
+          <a:prstGeom prst="rect">
+            <a:avLst/>
+          </a:prstGeom>
+        </p:spPr>
+        <p:style>
+          <a:lnRef idx="2">
+            <a:schemeClr val="accent1">
+              <a:shade val="50000"/>
+            </a:schemeClr>
+          </a:lnRef>
+          <a:fillRef idx="1">
+            <a:schemeClr val="accent1"/>
+          </a:fillRef>
+          <a:effectRef idx="0">
+            <a:schemeClr val="accent1"/>
+          </a:effectRef>
+          <a:fontRef idx="minor">
+            <a:schemeClr val="lt1"/>
+          </a:fontRef>
+        </p:style>
+        <p:txBody>
+          <a:bodyPr rtlCol="0" anchor="ctr"/>
+          <a:lstStyle/>
+          <a:p>
+            <a:pPr algn="ctr"/>
+            <a:r>
+              <a:rPr lang="ko-KR" altLang="en-US" dirty="0" err="1"/>
+              <a:t>쿠키런</a:t>
+            </a:r>
+            <a:r>
+              <a:rPr lang="ko-KR" altLang="en-US" dirty="0"/>
+              <a:t> 시트</a:t>
+            </a:r>
+            <a:endParaRPr lang="en-US" altLang="ko-KR" dirty="0"/>
+          </a:p>
+          <a:p>
+            <a:pPr algn="ctr"/>
+            <a:r>
+              <a:rPr lang="en-US" altLang="ko-KR" dirty="0"/>
+              <a:t>&lt;</a:t>
+            </a:r>
+            <a:r>
+              <a:rPr lang="en-US" altLang="ko-KR" dirty="0" err="1"/>
+              <a:t>img</a:t>
+            </a:r>
+            <a:r>
+              <a:rPr lang="en-US" altLang="ko-KR" dirty="0"/>
+              <a:t>&gt;</a:t>
+            </a:r>
+            <a:endParaRPr lang="ko-KR" altLang="en-US" dirty="0"/>
+          </a:p>
+        </p:txBody>
+      </p:sp>
+      <p:sp>
+        <p:nvSpPr>
+          <p:cNvPr id="9" name="직사각형 8">
+            <a:extLst>
+              <a:ext uri="{FF2B5EF4-FFF2-40B4-BE49-F238E27FC236}">
+                <a16:creationId xmlns:a16="http://schemas.microsoft.com/office/drawing/2014/main" id="{0A7420CC-3ACB-4FFF-AA75-F98643F2CB20}"/>
+              </a:ext>
+            </a:extLst>
+          </p:cNvPr>
+          <p:cNvSpPr/>
+          <p:nvPr/>
+        </p:nvSpPr>
+        <p:spPr>
+          <a:xfrm>
+            <a:off x="3457453" y="4076863"/>
+            <a:ext cx="1516151" cy="2185927"/>
+          </a:xfrm>
+          <a:prstGeom prst="rect">
+            <a:avLst/>
+          </a:prstGeom>
+        </p:spPr>
+        <p:style>
+          <a:lnRef idx="2">
+            <a:schemeClr val="accent1">
+              <a:shade val="50000"/>
+            </a:schemeClr>
+          </a:lnRef>
+          <a:fillRef idx="1">
+            <a:schemeClr val="accent1"/>
+          </a:fillRef>
+          <a:effectRef idx="0">
+            <a:schemeClr val="accent1"/>
+          </a:effectRef>
+          <a:fontRef idx="minor">
+            <a:schemeClr val="lt1"/>
+          </a:fontRef>
+        </p:style>
+        <p:txBody>
+          <a:bodyPr rtlCol="0" anchor="ctr"/>
+          <a:lstStyle/>
+          <a:p>
+            <a:pPr algn="ctr"/>
+            <a:r>
+              <a:rPr lang="ko-KR" altLang="en-US" dirty="0" err="1"/>
+              <a:t>쿠키런</a:t>
+            </a:r>
+            <a:r>
+              <a:rPr lang="ko-KR" altLang="en-US" dirty="0"/>
+              <a:t> 시트</a:t>
+            </a:r>
+            <a:endParaRPr lang="en-US" altLang="ko-KR" dirty="0"/>
+          </a:p>
+          <a:p>
+            <a:pPr algn="ctr"/>
+            <a:r>
+              <a:rPr lang="en-US" altLang="ko-KR" dirty="0"/>
+              <a:t>&lt;</a:t>
+            </a:r>
+            <a:r>
+              <a:rPr lang="en-US" altLang="ko-KR" dirty="0" err="1"/>
+              <a:t>img</a:t>
+            </a:r>
+            <a:r>
+              <a:rPr lang="en-US" altLang="ko-KR" dirty="0"/>
+              <a:t>&gt;</a:t>
+            </a:r>
+            <a:endParaRPr lang="ko-KR" altLang="en-US" dirty="0"/>
+          </a:p>
+        </p:txBody>
+      </p:sp>
+    </p:spTree>
+    <p:extLst>
+      <p:ext uri="{BB962C8B-B14F-4D97-AF65-F5344CB8AC3E}">
+        <p14:creationId xmlns:p14="http://schemas.microsoft.com/office/powerpoint/2010/main" val="1768758493"/>
+      </p:ext>
+    </p:extLst>
+  </p:cSld>
+  <p:clrMapOvr>
+    <a:masterClrMapping/>
+  </p:clrMapOvr>
+</p:sld>
+</file>
+
 <file path=ppt/theme/theme1.xml><?xml version="1.0" encoding="utf-8"?>
 <a:theme xmlns:a="http://schemas.openxmlformats.org/drawingml/2006/main" name="Office 테마">
   <a:themeElements>
